--- a/Team #2 Project Presentation.pptx
+++ b/Team #2 Project Presentation.pptx
@@ -113,6 +113,11 @@
       </a:defRPr>
     </a:lvl9pPr>
   </p:defaultTextStyle>
+  <p:extLst>
+    <p:ext uri="{EFAFB233-063F-42B5-8137-9DF3F51BA10A}">
+      <p15:sldGuideLst xmlns:p15="http://schemas.microsoft.com/office/powerpoint/2012/main"/>
+    </p:ext>
+  </p:extLst>
 </p:presentation>
 </file>
 
@@ -8757,6 +8762,12 @@
           </a:bodyPr>
           <a:lstStyle/>
           <a:p>
+            <a:r>
+              <a:rPr lang="en-US" dirty="0"/>
+              <a:t>We have no cost summary for this project. We do not plan on profiting, nor spending, from this game. The cost summary is $0.</a:t>
+            </a:r>
+          </a:p>
+          <a:p>
             <a:endParaRPr lang="en-US" dirty="0"/>
           </a:p>
         </p:txBody>
@@ -9404,8 +9415,51 @@
                 <a:latin typeface="Times New Roman" panose="02020603050405020304" pitchFamily="18" charset="0"/>
                 <a:ea typeface="Times New Roman" panose="02020603050405020304" pitchFamily="18" charset="0"/>
               </a:rPr>
-              <a:t>Joel Estes – je240398@my.stchas.edu</a:t>
-            </a:r>
+              <a:t>Joel Estes – </a:t>
+            </a:r>
+            <a:r>
+              <a:rPr lang="en-US" sz="1800" dirty="0">
+                <a:effectLst/>
+                <a:latin typeface="Times New Roman" panose="02020603050405020304" pitchFamily="18" charset="0"/>
+                <a:ea typeface="Times New Roman" panose="02020603050405020304" pitchFamily="18" charset="0"/>
+                <a:hlinkClick r:id="rId3"/>
+              </a:rPr>
+              <a:t>je240398@my.stchas.edu</a:t>
+            </a:r>
+            <a:endParaRPr lang="en-US" sz="1800" dirty="0">
+              <a:effectLst/>
+              <a:latin typeface="Times New Roman" panose="02020603050405020304" pitchFamily="18" charset="0"/>
+              <a:ea typeface="Times New Roman" panose="02020603050405020304" pitchFamily="18" charset="0"/>
+            </a:endParaRPr>
+          </a:p>
+          <a:p>
+            <a:pPr marL="0">
+              <a:spcBef>
+                <a:spcPts val="0"/>
+              </a:spcBef>
+              <a:spcAft>
+                <a:spcPts val="0"/>
+              </a:spcAft>
+            </a:pPr>
+            <a:r>
+              <a:rPr lang="en-US" dirty="0"/>
+              <a:t>Andrew Lange – al231511@my.stchas.edu</a:t>
+            </a:r>
+          </a:p>
+          <a:p>
+            <a:pPr marL="0" marR="0">
+              <a:spcBef>
+                <a:spcPts val="0"/>
+              </a:spcBef>
+              <a:spcAft>
+                <a:spcPts val="0"/>
+              </a:spcAft>
+            </a:pPr>
+            <a:endParaRPr lang="en-US" sz="1800" dirty="0">
+              <a:effectLst/>
+              <a:latin typeface="Times New Roman" panose="02020603050405020304" pitchFamily="18" charset="0"/>
+              <a:ea typeface="Times New Roman" panose="02020603050405020304" pitchFamily="18" charset="0"/>
+            </a:endParaRPr>
           </a:p>
           <a:p>
             <a:endParaRPr lang="en-US" dirty="0"/>
@@ -9492,15 +9546,10 @@
                             </p:stCondLst>
                             <p:childTnLst>
                               <p:par>
-                                <p:cTn id="9" presetID="1" presetClass="entr" presetSubtype="0" fill="hold" grpId="0" nodeType="clickEffect" nodePh="1">
+                                <p:cTn id="9" presetID="1" presetClass="entr" presetSubtype="0" fill="hold" grpId="0" nodeType="clickEffect">
                                   <p:stCondLst>
                                     <p:cond delay="0"/>
                                   </p:stCondLst>
-                                  <p:endCondLst>
-                                    <p:cond evt="begin" delay="0">
-                                      <p:tn val="9"/>
-                                    </p:cond>
-                                  </p:endCondLst>
                                   <p:childTnLst>
                                     <p:set>
                                       <p:cBhvr>
@@ -9869,7 +9918,7 @@
         </p:spPr>
         <p:txBody>
           <a:bodyPr>
-            <a:normAutofit lnSpcReduction="10000"/>
+            <a:normAutofit fontScale="85000" lnSpcReduction="20000"/>
           </a:bodyPr>
           <a:lstStyle/>
           <a:p>
@@ -9891,7 +9940,12 @@
               </a:rPr>
               <a:t>James Demeritt is majoring in Applied Programming at St. Charles Community College.  He has taken classes in python, C++ and SQL.</a:t>
             </a:r>
-            <a:endParaRPr lang="en-US" dirty="0"/>
+          </a:p>
+          <a:p>
+            <a:r>
+              <a:rPr lang="en-US" dirty="0"/>
+              <a:t>Andrew Lange is majoring in Animation and Gaming at Saint Charles Community College. He has taken programming courses in Python, C++, and Java. He has also taken a game design class using Unity.</a:t>
+            </a:r>
           </a:p>
         </p:txBody>
       </p:sp>
@@ -9952,7 +10006,7 @@
         </p:spPr>
         <p:txBody>
           <a:bodyPr>
-            <a:normAutofit lnSpcReduction="10000"/>
+            <a:normAutofit fontScale="85000" lnSpcReduction="20000"/>
           </a:bodyPr>
           <a:lstStyle/>
           <a:p>
@@ -10159,9 +10213,9 @@
                                           </p:stCondLst>
                                         </p:cTn>
                                         <p:tgtEl>
-                                          <p:spTgt spid="10">
+                                          <p:spTgt spid="9">
                                             <p:txEl>
-                                              <p:pRg st="0" end="0"/>
+                                              <p:pRg st="2" end="2"/>
                                             </p:txEl>
                                           </p:spTgt>
                                         </p:tgtEl>
@@ -10203,6 +10257,55 @@
                                     <p:set>
                                       <p:cBhvr>
                                         <p:cTn id="22" dur="1" fill="hold">
+                                          <p:stCondLst>
+                                            <p:cond delay="0"/>
+                                          </p:stCondLst>
+                                        </p:cTn>
+                                        <p:tgtEl>
+                                          <p:spTgt spid="10">
+                                            <p:txEl>
+                                              <p:pRg st="0" end="0"/>
+                                            </p:txEl>
+                                          </p:spTgt>
+                                        </p:tgtEl>
+                                        <p:attrNameLst>
+                                          <p:attrName>style.visibility</p:attrName>
+                                        </p:attrNameLst>
+                                      </p:cBhvr>
+                                      <p:to>
+                                        <p:strVal val="visible"/>
+                                      </p:to>
+                                    </p:set>
+                                  </p:childTnLst>
+                                </p:cTn>
+                              </p:par>
+                            </p:childTnLst>
+                          </p:cTn>
+                        </p:par>
+                      </p:childTnLst>
+                    </p:cTn>
+                  </p:par>
+                  <p:par>
+                    <p:cTn id="23" fill="hold">
+                      <p:stCondLst>
+                        <p:cond delay="indefinite"/>
+                      </p:stCondLst>
+                      <p:childTnLst>
+                        <p:par>
+                          <p:cTn id="24" fill="hold">
+                            <p:stCondLst>
+                              <p:cond delay="0"/>
+                            </p:stCondLst>
+                            <p:childTnLst>
+                              <p:par>
+                                <p:cTn id="25" presetID="1" presetClass="entr" presetSubtype="0" fill="hold" grpId="0" nodeType="clickEffect">
+                                  <p:stCondLst>
+                                    <p:cond delay="0"/>
+                                  </p:stCondLst>
+                                  <p:childTnLst>
+                                    <p:set>
+                                      <p:cBhvr>
+                                        <p:cTn id="26" dur="1" fill="hold">
                                           <p:stCondLst>
                                             <p:cond delay="0"/>
                                           </p:stCondLst>
@@ -10346,7 +10449,26 @@
           </a:bodyPr>
           <a:lstStyle/>
           <a:p>
-            <a:endParaRPr lang="en-US" dirty="0"/>
+            <a:r>
+              <a:rPr lang="en-US" dirty="0"/>
+              <a:t>Our period of performance on this project will be the length of this class. The start date is January 22</a:t>
+            </a:r>
+            <a:r>
+              <a:rPr lang="en-US" baseline="30000" dirty="0"/>
+              <a:t>nd</a:t>
+            </a:r>
+            <a:r>
+              <a:rPr lang="en-US" dirty="0"/>
+              <a:t>, 2024 and our end date goal is May 14</a:t>
+            </a:r>
+            <a:r>
+              <a:rPr lang="en-US" baseline="30000" dirty="0"/>
+              <a:t>th</a:t>
+            </a:r>
+            <a:r>
+              <a:rPr lang="en-US" dirty="0"/>
+              <a:t>, 2024.</a:t>
+            </a:r>
           </a:p>
         </p:txBody>
       </p:sp>
@@ -11044,15 +11166,10 @@
                             </p:stCondLst>
                             <p:childTnLst>
                               <p:par>
-                                <p:cTn id="9" presetID="1" presetClass="entr" presetSubtype="0" fill="hold" grpId="0" nodeType="clickEffect" nodePh="1">
+                                <p:cTn id="9" presetID="1" presetClass="entr" presetSubtype="0" fill="hold" grpId="0" nodeType="clickEffect">
                                   <p:stCondLst>
                                     <p:cond delay="0"/>
                                   </p:stCondLst>
-                                  <p:endCondLst>
-                                    <p:cond evt="begin" delay="0">
-                                      <p:tn val="9"/>
-                                    </p:cond>
-                                  </p:endCondLst>
                                   <p:childTnLst>
                                     <p:set>
                                       <p:cBhvr>
@@ -11386,11 +11503,22 @@
         </p:spPr>
         <p:txBody>
           <a:bodyPr>
-            <a:normAutofit/>
+            <a:normAutofit fontScale="92500" lnSpcReduction="10000"/>
           </a:bodyPr>
           <a:lstStyle/>
           <a:p>
-            <a:endParaRPr lang="en-US" dirty="0"/>
+            <a:r>
+              <a:rPr lang="en-US" dirty="0"/>
+              <a:t>We will have scheduled meetings every week on Wednesdays at 1:30pm. Our milestone for the first phase is to have our game idea ready to be presented to the class on February 7</a:t>
+            </a:r>
+            <a:r>
+              <a:rPr lang="en-US" baseline="30000" dirty="0"/>
+              <a:t>th</a:t>
+            </a:r>
+            <a:r>
+              <a:rPr lang="en-US" dirty="0"/>
+              <a:t>, 2024. Our milestones going forward are unclear as we do not have descriptions for phases 2, 3, and 4. Our last milestone is to have a fully functional game with no major glitches.</a:t>
+            </a:r>
           </a:p>
         </p:txBody>
       </p:sp>
@@ -11451,7 +11579,7 @@
         </p:spPr>
         <p:txBody>
           <a:bodyPr>
-            <a:normAutofit/>
+            <a:normAutofit fontScale="92500" lnSpcReduction="10000"/>
           </a:bodyPr>
           <a:lstStyle/>
           <a:p>
@@ -11555,15 +11683,10 @@
                             </p:stCondLst>
                             <p:childTnLst>
                               <p:par>
-                                <p:cTn id="9" presetID="1" presetClass="entr" presetSubtype="0" fill="hold" grpId="0" nodeType="clickEffect" nodePh="1">
+                                <p:cTn id="9" presetID="1" presetClass="entr" presetSubtype="0" fill="hold" grpId="0" nodeType="clickEffect">
                                   <p:stCondLst>
                                     <p:cond delay="0"/>
                                   </p:stCondLst>
-                                  <p:endCondLst>
-                                    <p:cond evt="begin" delay="0">
-                                      <p:tn val="9"/>
-                                    </p:cond>
-                                  </p:endCondLst>
                                   <p:childTnLst>
                                     <p:set>
                                       <p:cBhvr>
